--- a/Documentation and PPT/Conversation engine for deaf and dumb.pptx
+++ b/Documentation and PPT/Conversation engine for deaf and dumb.pptx
@@ -6657,7 +6657,7 @@
         </p:nvSpPr>
         <p:spPr>
           <a:xfrm>
-            <a:off x="4832904" y="1624909"/>
+            <a:off x="4797393" y="1518377"/>
             <a:ext cx="7699203" cy="3952239"/>
           </a:xfrm>
         </p:spPr>
@@ -6736,7 +6736,7 @@
                 <a:latin typeface="Calibri" panose="020F0502020204030204" pitchFamily="34" charset="0"/>
                 <a:cs typeface="Calibri" panose="020F0502020204030204" pitchFamily="34" charset="0"/>
               </a:rPr>
-              <a:t>5.IMAGE RECOGNITION</a:t>
+              <a:t>5.RESULT</a:t>
             </a:r>
           </a:p>
           <a:p>
@@ -6751,7 +6751,7 @@
                 <a:latin typeface="Calibri" panose="020F0502020204030204" pitchFamily="34" charset="0"/>
                 <a:cs typeface="Calibri" panose="020F0502020204030204" pitchFamily="34" charset="0"/>
               </a:rPr>
-              <a:t>6.RESULT</a:t>
+              <a:t>6.ADVANTAGES AND DISADVANTAGES</a:t>
             </a:r>
           </a:p>
           <a:p>
@@ -6766,22 +6766,7 @@
                 <a:latin typeface="Calibri" panose="020F0502020204030204" pitchFamily="34" charset="0"/>
                 <a:cs typeface="Calibri" panose="020F0502020204030204" pitchFamily="34" charset="0"/>
               </a:rPr>
-              <a:t>7.ADVANTAGES AND DISADVANTAGES</a:t>
-            </a:r>
-          </a:p>
-          <a:p>
-            <a:pPr algn="l"/>
-            <a:r>
-              <a:rPr lang="en-IN" b="1" dirty="0">
-                <a:solidFill>
-                  <a:schemeClr val="bg2">
-                    <a:lumMod val="50000"/>
-                  </a:schemeClr>
-                </a:solidFill>
-                <a:latin typeface="Calibri" panose="020F0502020204030204" pitchFamily="34" charset="0"/>
-                <a:cs typeface="Calibri" panose="020F0502020204030204" pitchFamily="34" charset="0"/>
-              </a:rPr>
-              <a:t>8.CONCLUSION</a:t>
+              <a:t>7.CONCLUSION</a:t>
             </a:r>
           </a:p>
           <a:p>
@@ -7549,12 +7534,25 @@
                     <a:lumMod val="50000"/>
                   </a:schemeClr>
                 </a:solidFill>
+                <a:latin typeface="Lucida Fax" panose="02060602050505020204" pitchFamily="18" charset="0"/>
+                <a:ea typeface="Calibri" panose="020F0502020204030204" pitchFamily="34" charset="0"/>
+                <a:cs typeface="Tunga" panose="020B0502040204020203" pitchFamily="34" charset="0"/>
+              </a:rPr>
+              <a:t>5</a:t>
+            </a:r>
+            <a:r>
+              <a:rPr lang="en-IN" sz="2800" b="1" dirty="0">
+                <a:solidFill>
+                  <a:schemeClr val="accent1">
+                    <a:lumMod val="50000"/>
+                  </a:schemeClr>
+                </a:solidFill>
                 <a:effectLst/>
                 <a:latin typeface="Lucida Fax" panose="02060602050505020204" pitchFamily="18" charset="0"/>
                 <a:ea typeface="Calibri" panose="020F0502020204030204" pitchFamily="34" charset="0"/>
                 <a:cs typeface="Tunga" panose="020B0502040204020203" pitchFamily="34" charset="0"/>
               </a:rPr>
-              <a:t>6.RESULT:</a:t>
+              <a:t>.RESULT:</a:t>
             </a:r>
             <a:br>
               <a:rPr lang="en-IN" sz="2800" b="1" dirty="0">
@@ -7748,12 +7746,25 @@
                     <a:lumMod val="50000"/>
                   </a:schemeClr>
                 </a:solidFill>
+                <a:latin typeface="Lucida Fax" panose="02060602050505020204" pitchFamily="18" charset="0"/>
+                <a:ea typeface="Times New Roman" panose="02020603050405020304" pitchFamily="18" charset="0"/>
+                <a:cs typeface="Tunga" panose="020B0502040204020203" pitchFamily="34" charset="0"/>
+              </a:rPr>
+              <a:t>6</a:t>
+            </a:r>
+            <a:r>
+              <a:rPr lang="en-IN" sz="2800" b="1" dirty="0">
+                <a:solidFill>
+                  <a:schemeClr val="accent1">
+                    <a:lumMod val="50000"/>
+                  </a:schemeClr>
+                </a:solidFill>
                 <a:effectLst/>
                 <a:latin typeface="Lucida Fax" panose="02060602050505020204" pitchFamily="18" charset="0"/>
                 <a:ea typeface="Times New Roman" panose="02020603050405020304" pitchFamily="18" charset="0"/>
                 <a:cs typeface="Tunga" panose="020B0502040204020203" pitchFamily="34" charset="0"/>
               </a:rPr>
-              <a:t>7.</a:t>
+              <a:t>.</a:t>
             </a:r>
             <a:r>
               <a:rPr lang="en-IN" sz="2800" dirty="0">
@@ -8247,7 +8258,7 @@
                 </a:solidFill>
                 <a:latin typeface="Lucida Fax" panose="02060602050505020204" pitchFamily="18" charset="0"/>
               </a:rPr>
-              <a:t>8.CONCLUSION</a:t>
+              <a:t>7.CONCLUSION</a:t>
             </a:r>
           </a:p>
         </p:txBody>
